--- a/DATA SCIENCE.pptx
+++ b/DATA SCIENCE.pptx
@@ -5,20 +5,19 @@
     <p:sldMasterId id="2147483648" r:id="rId4"/>
   </p:sldMasterIdLst>
   <p:notesMasterIdLst>
-    <p:notesMasterId r:id="rId16"/>
+    <p:notesMasterId r:id="rId15"/>
   </p:notesMasterIdLst>
   <p:sldIdLst>
     <p:sldId id="260" r:id="rId5"/>
     <p:sldId id="257" r:id="rId6"/>
     <p:sldId id="262" r:id="rId7"/>
-    <p:sldId id="261" r:id="rId8"/>
-    <p:sldId id="263" r:id="rId9"/>
-    <p:sldId id="268" r:id="rId10"/>
-    <p:sldId id="267" r:id="rId11"/>
-    <p:sldId id="266" r:id="rId12"/>
-    <p:sldId id="264" r:id="rId13"/>
-    <p:sldId id="265" r:id="rId14"/>
-    <p:sldId id="269" r:id="rId15"/>
+    <p:sldId id="263" r:id="rId8"/>
+    <p:sldId id="268" r:id="rId9"/>
+    <p:sldId id="267" r:id="rId10"/>
+    <p:sldId id="266" r:id="rId11"/>
+    <p:sldId id="264" r:id="rId12"/>
+    <p:sldId id="265" r:id="rId13"/>
+    <p:sldId id="269" r:id="rId14"/>
   </p:sldIdLst>
   <p:sldSz cx="12192000" cy="6858000"/>
   <p:notesSz cx="6858000" cy="9144000"/>
@@ -130,7 +129,7 @@
   <pc:docChgLst>
     <pc:chgData name="C. NARENDRA" userId="84a3090cb9177787" providerId="LiveId" clId="{46D38804-4491-491A-B7F9-F8543AC07966}"/>
     <pc:docChg chg="undo custSel addSld delSld modSld sldOrd">
-      <pc:chgData name="C. NARENDRA" userId="84a3090cb9177787" providerId="LiveId" clId="{46D38804-4491-491A-B7F9-F8543AC07966}" dt="2022-04-27T19:21:33.524" v="525" actId="20577"/>
+      <pc:chgData name="C. NARENDRA" userId="84a3090cb9177787" providerId="LiveId" clId="{46D38804-4491-491A-B7F9-F8543AC07966}" dt="2022-04-28T04:42:53.377" v="526" actId="47"/>
       <pc:docMkLst>
         <pc:docMk/>
       </pc:docMkLst>
@@ -157,8 +156,8 @@
           </ac:spMkLst>
         </pc:spChg>
       </pc:sldChg>
-      <pc:sldChg chg="modSp add mod">
-        <pc:chgData name="C. NARENDRA" userId="84a3090cb9177787" providerId="LiveId" clId="{46D38804-4491-491A-B7F9-F8543AC07966}" dt="2022-04-27T16:38:17.706" v="236" actId="113"/>
+      <pc:sldChg chg="modSp add del mod">
+        <pc:chgData name="C. NARENDRA" userId="84a3090cb9177787" providerId="LiveId" clId="{46D38804-4491-491A-B7F9-F8543AC07966}" dt="2022-04-28T04:42:53.377" v="526" actId="47"/>
         <pc:sldMkLst>
           <pc:docMk/>
           <pc:sldMk cId="81681995" sldId="261"/>
@@ -521,7 +520,7 @@
           <a:p>
             <a:fld id="{4B3F774C-70F7-4ED4-813C-739E51CF8487}" type="datetimeFigureOut">
               <a:rPr lang="en-US" smtClean="0"/>
-              <a:t>4/27/2022</a:t>
+              <a:t>4/28/2022</a:t>
             </a:fld>
             <a:endParaRPr lang="en-US" dirty="0"/>
           </a:p>
@@ -1290,7 +1289,7 @@
           <a:p>
             <a:fld id="{F9F2E34D-57B0-41D5-A7AF-DF10D1068115}" type="datetime1">
               <a:rPr lang="en-US" smtClean="0"/>
-              <a:t>4/27/2022</a:t>
+              <a:t>4/28/2022</a:t>
             </a:fld>
             <a:endParaRPr lang="en-US" dirty="0"/>
           </a:p>
@@ -1582,7 +1581,7 @@
           <a:p>
             <a:fld id="{DF6E8327-77F4-4A2B-9238-101C8E3404E4}" type="datetime1">
               <a:rPr lang="en-US" smtClean="0"/>
-              <a:t>4/27/2022</a:t>
+              <a:t>4/28/2022</a:t>
             </a:fld>
             <a:endParaRPr lang="en-US" dirty="0"/>
           </a:p>
@@ -1826,7 +1825,7 @@
           <a:p>
             <a:fld id="{5287327A-3B7B-4F18-AD00-4892CF91FF9D}" type="datetime1">
               <a:rPr lang="en-US" smtClean="0"/>
-              <a:t>4/27/2022</a:t>
+              <a:t>4/28/2022</a:t>
             </a:fld>
             <a:endParaRPr lang="en-US" dirty="0"/>
           </a:p>
@@ -2362,7 +2361,7 @@
           <a:p>
             <a:fld id="{84398241-E647-4007-AB01-BB30869910EB}" type="datetime1">
               <a:rPr lang="en-US" smtClean="0"/>
-              <a:t>4/27/2022</a:t>
+              <a:t>4/28/2022</a:t>
             </a:fld>
             <a:endParaRPr lang="en-US" dirty="0"/>
           </a:p>
@@ -2606,7 +2605,7 @@
           <a:p>
             <a:fld id="{A09F5554-C941-4C3B-A197-75ED448862A0}" type="datetime1">
               <a:rPr lang="en-US" smtClean="0"/>
-              <a:t>4/27/2022</a:t>
+              <a:t>4/28/2022</a:t>
             </a:fld>
             <a:endParaRPr lang="en-US" dirty="0"/>
           </a:p>
@@ -3134,7 +3133,7 @@
           <a:p>
             <a:fld id="{DC6B44A0-C3F8-4023-9352-7CF7C034B2C8}" type="datetime1">
               <a:rPr lang="en-US" smtClean="0"/>
-              <a:t>4/27/2022</a:t>
+              <a:t>4/28/2022</a:t>
             </a:fld>
             <a:endParaRPr lang="en-US" dirty="0"/>
           </a:p>
@@ -3427,7 +3426,7 @@
           <a:p>
             <a:fld id="{79C3DC5B-471F-47EA-B884-FE923235A560}" type="datetime1">
               <a:rPr lang="en-US" smtClean="0"/>
-              <a:t>4/27/2022</a:t>
+              <a:t>4/28/2022</a:t>
             </a:fld>
             <a:endParaRPr lang="en-US" dirty="0"/>
           </a:p>
@@ -3597,7 +3596,7 @@
           <a:p>
             <a:fld id="{03F8C408-3247-4796-93FF-B91D6887AEC0}" type="datetime1">
               <a:rPr lang="en-US" smtClean="0"/>
-              <a:t>4/27/2022</a:t>
+              <a:t>4/28/2022</a:t>
             </a:fld>
             <a:endParaRPr lang="en-US" dirty="0"/>
           </a:p>
@@ -3773,7 +3772,7 @@
           <a:p>
             <a:fld id="{BBA1D282-CC74-49F4-B876-75084EFB56F1}" type="datetime1">
               <a:rPr lang="en-US" smtClean="0"/>
-              <a:t>4/27/2022</a:t>
+              <a:t>4/28/2022</a:t>
             </a:fld>
             <a:endParaRPr lang="en-US" dirty="0"/>
           </a:p>
@@ -3939,7 +3938,7 @@
           <a:p>
             <a:fld id="{BF56EAF9-2583-4989-8D87-13F548ED6E0C}" type="datetime1">
               <a:rPr lang="en-US" smtClean="0"/>
-              <a:t>4/27/2022</a:t>
+              <a:t>4/28/2022</a:t>
             </a:fld>
             <a:endParaRPr lang="en-US" dirty="0"/>
           </a:p>
@@ -4186,7 +4185,7 @@
           <a:p>
             <a:fld id="{B70E3CFB-BB1B-4B2A-ADF6-B1A4609854C4}" type="datetime1">
               <a:rPr lang="en-US" smtClean="0"/>
-              <a:t>4/27/2022</a:t>
+              <a:t>4/28/2022</a:t>
             </a:fld>
             <a:endParaRPr lang="en-US" dirty="0"/>
           </a:p>
@@ -4479,7 +4478,7 @@
           <a:p>
             <a:fld id="{2B3AEAA8-1A97-412E-935C-2E918F139579}" type="datetime1">
               <a:rPr lang="en-US" smtClean="0"/>
-              <a:t>4/27/2022</a:t>
+              <a:t>4/28/2022</a:t>
             </a:fld>
             <a:endParaRPr lang="en-US" dirty="0"/>
           </a:p>
@@ -4917,7 +4916,7 @@
           <a:p>
             <a:fld id="{638B0DF1-CA1F-4E36-8C65-C52A9896A8FB}" type="datetime1">
               <a:rPr lang="en-US" smtClean="0"/>
-              <a:t>4/27/2022</a:t>
+              <a:t>4/28/2022</a:t>
             </a:fld>
             <a:endParaRPr lang="en-US" dirty="0"/>
           </a:p>
@@ -5031,7 +5030,7 @@
           <a:p>
             <a:fld id="{DB6173FD-197A-4AD6-8D60-38B6A76F0734}" type="datetime1">
               <a:rPr lang="en-US" smtClean="0"/>
-              <a:t>4/27/2022</a:t>
+              <a:t>4/28/2022</a:t>
             </a:fld>
             <a:endParaRPr lang="en-US" dirty="0"/>
           </a:p>
@@ -5122,7 +5121,7 @@
           <a:p>
             <a:fld id="{6BDC3949-07FA-4C7A-A990-D6D1043EED71}" type="datetime1">
               <a:rPr lang="en-US" smtClean="0"/>
-              <a:t>4/27/2022</a:t>
+              <a:t>4/28/2022</a:t>
             </a:fld>
             <a:endParaRPr lang="en-US" dirty="0"/>
           </a:p>
@@ -5401,7 +5400,7 @@
           <a:p>
             <a:fld id="{2E9E2DE8-6D13-4218-A974-D45AA7B6E4FF}" type="datetime1">
               <a:rPr lang="en-US" smtClean="0"/>
-              <a:t>4/27/2022</a:t>
+              <a:t>4/28/2022</a:t>
             </a:fld>
             <a:endParaRPr lang="en-US" dirty="0"/>
           </a:p>
@@ -5688,7 +5687,7 @@
           <a:p>
             <a:fld id="{9CDAB7D7-4BDA-4ABC-B31D-66201C69A314}" type="datetime1">
               <a:rPr lang="en-US" smtClean="0"/>
-              <a:t>4/27/2022</a:t>
+              <a:t>4/28/2022</a:t>
             </a:fld>
             <a:endParaRPr lang="en-US" dirty="0"/>
           </a:p>
@@ -6214,7 +6213,7 @@
           <a:p>
             <a:fld id="{4E3F0A0B-291C-4112-A023-023C51AB2E85}" type="datetime1">
               <a:rPr lang="en-US" smtClean="0"/>
-              <a:t>4/27/2022</a:t>
+              <a:t>4/28/2022</a:t>
             </a:fld>
             <a:endParaRPr lang="en-US" dirty="0"/>
           </a:p>
@@ -7784,623 +7783,6 @@
         </p:nvSpPr>
         <p:spPr>
           <a:xfrm>
-            <a:off x="252891" y="166343"/>
-            <a:ext cx="8062702" cy="750059"/>
-          </a:xfrm>
-        </p:spPr>
-        <p:txBody>
-          <a:bodyPr>
-            <a:normAutofit/>
-          </a:bodyPr>
-          <a:lstStyle/>
-          <a:p>
-            <a:pPr algn="l"/>
-            <a:r>
-              <a:rPr lang="en-US" b="1" dirty="0"/>
-              <a:t>Packages</a:t>
-            </a:r>
-          </a:p>
-        </p:txBody>
-      </p:sp>
-      <p:sp>
-        <p:nvSpPr>
-          <p:cNvPr id="3" name="Content Placeholder 2">
-            <a:extLst>
-              <a:ext uri="{FF2B5EF4-FFF2-40B4-BE49-F238E27FC236}">
-                <a16:creationId xmlns:a16="http://schemas.microsoft.com/office/drawing/2014/main" id="{60DFF4FA-F598-4962-B6AB-31A8BE724E52}"/>
-              </a:ext>
-            </a:extLst>
-          </p:cNvPr>
-          <p:cNvSpPr>
-            <a:spLocks noGrp="1"/>
-          </p:cNvSpPr>
-          <p:nvPr>
-            <p:ph idx="1"/>
-          </p:nvPr>
-        </p:nvSpPr>
-        <p:spPr>
-          <a:xfrm>
-            <a:off x="252891" y="935452"/>
-            <a:ext cx="9096790" cy="1086678"/>
-          </a:xfrm>
-        </p:spPr>
-        <p:txBody>
-          <a:bodyPr anchor="t">
-            <a:normAutofit lnSpcReduction="10000"/>
-          </a:bodyPr>
-          <a:lstStyle/>
-          <a:p>
-            <a:pPr marL="0" indent="0">
-              <a:buNone/>
-            </a:pPr>
-            <a:r>
-              <a:rPr lang="en-US" sz="3300" b="0" i="0" dirty="0">
-                <a:effectLst/>
-                <a:latin typeface="open sans" panose="020B0606030504020204" pitchFamily="34" charset="0"/>
-              </a:rPr>
-              <a:t>Nearly 46% of Data Scientists earn a salary between 6-15 LPA.</a:t>
-            </a:r>
-            <a:endParaRPr lang="en-US" sz="3300" dirty="0"/>
-          </a:p>
-        </p:txBody>
-      </p:sp>
-      <p:pic>
-        <p:nvPicPr>
-          <p:cNvPr id="5" name="Picture 4">
-            <a:extLst>
-              <a:ext uri="{FF2B5EF4-FFF2-40B4-BE49-F238E27FC236}">
-                <a16:creationId xmlns:a16="http://schemas.microsoft.com/office/drawing/2014/main" id="{3AD2473E-3D44-40DC-ADB0-6D9EB16EEAFB}"/>
-              </a:ext>
-            </a:extLst>
-          </p:cNvPr>
-          <p:cNvPicPr>
-            <a:picLocks noChangeAspect="1"/>
-          </p:cNvPicPr>
-          <p:nvPr/>
-        </p:nvPicPr>
-        <p:blipFill>
-          <a:blip r:embed="rId2"/>
-          <a:stretch>
-            <a:fillRect/>
-          </a:stretch>
-        </p:blipFill>
-        <p:spPr>
-          <a:xfrm>
-            <a:off x="650877" y="2372588"/>
-            <a:ext cx="6253506" cy="4134954"/>
-          </a:xfrm>
-          <a:prstGeom prst="rect">
-            <a:avLst/>
-          </a:prstGeom>
-        </p:spPr>
-      </p:pic>
-    </p:spTree>
-    <p:extLst>
-      <p:ext uri="{BB962C8B-B14F-4D97-AF65-F5344CB8AC3E}">
-        <p14:creationId xmlns:p14="http://schemas.microsoft.com/office/powerpoint/2010/main" val="4213993105"/>
-      </p:ext>
-    </p:extLst>
-  </p:cSld>
-  <p:clrMapOvr>
-    <a:overrideClrMapping bg1="dk1" tx1="lt1" bg2="dk2" tx2="lt2" accent1="accent1" accent2="accent2" accent3="accent3" accent4="accent4" accent5="accent5" accent6="accent6" hlink="hlink" folHlink="folHlink"/>
-  </p:clrMapOvr>
-</p:sld>
-</file>
-
-<file path=ppt/slides/slide11.xml><?xml version="1.0" encoding="utf-8"?>
-<p:sld xmlns:a="http://schemas.openxmlformats.org/drawingml/2006/main" xmlns:r="http://schemas.openxmlformats.org/officeDocument/2006/relationships" xmlns:p="http://schemas.openxmlformats.org/presentationml/2006/main">
-  <p:cSld>
-    <p:bg>
-      <p:bgPr>
-        <a:solidFill>
-          <a:schemeClr val="bg2"/>
-        </a:solidFill>
-        <a:effectLst/>
-      </p:bgPr>
-    </p:bg>
-    <p:spTree>
-      <p:nvGrpSpPr>
-        <p:cNvPr id="1" name=""/>
-        <p:cNvGrpSpPr/>
-        <p:nvPr/>
-      </p:nvGrpSpPr>
-      <p:grpSpPr>
-        <a:xfrm>
-          <a:off x="0" y="0"/>
-          <a:ext cx="0" cy="0"/>
-          <a:chOff x="0" y="0"/>
-          <a:chExt cx="0" cy="0"/>
-        </a:xfrm>
-      </p:grpSpPr>
-      <p:sp useBgFill="1">
-        <p:nvSpPr>
-          <p:cNvPr id="21" name="Rectangle 20">
-            <a:extLst>
-              <a:ext uri="{FF2B5EF4-FFF2-40B4-BE49-F238E27FC236}">
-                <a16:creationId xmlns:a16="http://schemas.microsoft.com/office/drawing/2014/main" id="{99CAC3B1-4879-424D-8F15-206277196159}"/>
-              </a:ext>
-              <a:ext uri="{C183D7F6-B498-43B3-948B-1728B52AA6E4}">
-                <adec:decorative xmlns:adec="http://schemas.microsoft.com/office/drawing/2017/decorative" val="1"/>
-              </a:ext>
-            </a:extLst>
-          </p:cNvPr>
-          <p:cNvSpPr>
-            <a:spLocks noGrp="1" noRot="1" noChangeAspect="1" noMove="1" noResize="1" noEditPoints="1" noAdjustHandles="1" noChangeArrowheads="1" noChangeShapeType="1" noTextEdit="1"/>
-          </p:cNvSpPr>
-          <p:nvPr>
-            <p:extLst>
-              <p:ext uri="{386F3935-93C4-4BCD-93E2-E3B085C9AB24}">
-                <p16:designElem xmlns:p16="http://schemas.microsoft.com/office/powerpoint/2015/main" val="1"/>
-              </p:ext>
-            </p:extLst>
-          </p:nvPr>
-        </p:nvSpPr>
-        <p:spPr>
-          <a:xfrm>
-            <a:off x="0" y="0"/>
-            <a:ext cx="12192000" cy="6858000"/>
-          </a:xfrm>
-          <a:prstGeom prst="rect">
-            <a:avLst/>
-          </a:prstGeom>
-          <a:ln>
-            <a:noFill/>
-          </a:ln>
-        </p:spPr>
-        <p:style>
-          <a:lnRef idx="2">
-            <a:schemeClr val="accent1">
-              <a:shade val="50000"/>
-            </a:schemeClr>
-          </a:lnRef>
-          <a:fillRef idx="1">
-            <a:schemeClr val="accent1"/>
-          </a:fillRef>
-          <a:effectRef idx="0">
-            <a:schemeClr val="accent1"/>
-          </a:effectRef>
-          <a:fontRef idx="minor">
-            <a:schemeClr val="lt1"/>
-          </a:fontRef>
-        </p:style>
-        <p:txBody>
-          <a:bodyPr rtlCol="0" anchor="ctr"/>
-          <a:lstStyle/>
-          <a:p>
-            <a:pPr algn="ctr"/>
-            <a:endParaRPr lang="en-US" dirty="0"/>
-          </a:p>
-        </p:txBody>
-      </p:sp>
-      <p:grpSp>
-        <p:nvGrpSpPr>
-          <p:cNvPr id="23" name="Group 22">
-            <a:extLst>
-              <a:ext uri="{FF2B5EF4-FFF2-40B4-BE49-F238E27FC236}">
-                <a16:creationId xmlns:a16="http://schemas.microsoft.com/office/drawing/2014/main" id="{4B8492CB-DFBA-4A82-9778-F21493DA36C1}"/>
-              </a:ext>
-              <a:ext uri="{C183D7F6-B498-43B3-948B-1728B52AA6E4}">
-                <adec:decorative xmlns:adec="http://schemas.microsoft.com/office/drawing/2017/decorative" val="1"/>
-              </a:ext>
-            </a:extLst>
-          </p:cNvPr>
-          <p:cNvGrpSpPr>
-            <a:grpSpLocks noGrp="1" noUngrp="1" noRot="1" noChangeAspect="1" noMove="1" noResize="1"/>
-          </p:cNvGrpSpPr>
-          <p:nvPr>
-            <p:extLst>
-              <p:ext uri="{386F3935-93C4-4BCD-93E2-E3B085C9AB24}">
-                <p16:designElem xmlns:p16="http://schemas.microsoft.com/office/powerpoint/2015/main" val="1"/>
-              </p:ext>
-            </p:extLst>
-          </p:nvPr>
-        </p:nvGrpSpPr>
-        <p:grpSpPr>
-          <a:xfrm flipH="1">
-            <a:off x="6526211" y="0"/>
-            <a:ext cx="5014912" cy="6862763"/>
-            <a:chOff x="2928938" y="-4763"/>
-            <a:chExt cx="5014912" cy="6862763"/>
-          </a:xfrm>
-        </p:grpSpPr>
-        <p:sp>
-          <p:nvSpPr>
-            <p:cNvPr id="24" name="Freeform 6">
-              <a:extLst>
-                <a:ext uri="{FF2B5EF4-FFF2-40B4-BE49-F238E27FC236}">
-                  <a16:creationId xmlns:a16="http://schemas.microsoft.com/office/drawing/2014/main" id="{E34CC1C8-EBDD-4AEA-83E6-B27575B62E2E}"/>
-                </a:ext>
-                <a:ext uri="{C183D7F6-B498-43B3-948B-1728B52AA6E4}">
-                  <adec:decorative xmlns:adec="http://schemas.microsoft.com/office/drawing/2017/decorative" val="1"/>
-                </a:ext>
-              </a:extLst>
-            </p:cNvPr>
-            <p:cNvSpPr/>
-            <p:nvPr>
-              <p:extLst>
-                <p:ext uri="{386F3935-93C4-4BCD-93E2-E3B085C9AB24}">
-                  <p16:designElem xmlns:p16="http://schemas.microsoft.com/office/powerpoint/2015/main" val="1"/>
-                </p:ext>
-              </p:extLst>
-            </p:nvPr>
-          </p:nvSpPr>
-          <p:spPr bwMode="auto">
-            <a:xfrm>
-              <a:off x="3367088" y="-4763"/>
-              <a:ext cx="1063625" cy="2782888"/>
-            </a:xfrm>
-            <a:custGeom>
-              <a:avLst/>
-              <a:gdLst/>
-              <a:ahLst/>
-              <a:cxnLst/>
-              <a:rect l="0" t="0" r="r" b="b"/>
-              <a:pathLst>
-                <a:path w="670" h="1753">
-                  <a:moveTo>
-                    <a:pt x="0" y="1696"/>
-                  </a:moveTo>
-                  <a:lnTo>
-                    <a:pt x="225" y="1753"/>
-                  </a:lnTo>
-                  <a:lnTo>
-                    <a:pt x="670" y="0"/>
-                  </a:lnTo>
-                  <a:lnTo>
-                    <a:pt x="430" y="0"/>
-                  </a:lnTo>
-                  <a:lnTo>
-                    <a:pt x="0" y="1696"/>
-                  </a:lnTo>
-                  <a:close/>
-                </a:path>
-              </a:pathLst>
-            </a:custGeom>
-            <a:solidFill>
-              <a:schemeClr val="accent1"/>
-            </a:solidFill>
-            <a:ln>
-              <a:noFill/>
-            </a:ln>
-          </p:spPr>
-        </p:sp>
-        <p:sp>
-          <p:nvSpPr>
-            <p:cNvPr id="25" name="Freeform 7">
-              <a:extLst>
-                <a:ext uri="{FF2B5EF4-FFF2-40B4-BE49-F238E27FC236}">
-                  <a16:creationId xmlns:a16="http://schemas.microsoft.com/office/drawing/2014/main" id="{D6B38644-B85D-4211-9526-5B4C2A662BF7}"/>
-                </a:ext>
-                <a:ext uri="{C183D7F6-B498-43B3-948B-1728B52AA6E4}">
-                  <adec:decorative xmlns:adec="http://schemas.microsoft.com/office/drawing/2017/decorative" val="1"/>
-                </a:ext>
-              </a:extLst>
-            </p:cNvPr>
-            <p:cNvSpPr/>
-            <p:nvPr>
-              <p:extLst>
-                <p:ext uri="{386F3935-93C4-4BCD-93E2-E3B085C9AB24}">
-                  <p16:designElem xmlns:p16="http://schemas.microsoft.com/office/powerpoint/2015/main" val="1"/>
-                </p:ext>
-              </p:extLst>
-            </p:nvPr>
-          </p:nvSpPr>
-          <p:spPr bwMode="auto">
-            <a:xfrm>
-              <a:off x="2928938" y="-4763"/>
-              <a:ext cx="1035050" cy="2673350"/>
-            </a:xfrm>
-            <a:custGeom>
-              <a:avLst/>
-              <a:gdLst/>
-              <a:ahLst/>
-              <a:cxnLst/>
-              <a:rect l="0" t="0" r="r" b="b"/>
-              <a:pathLst>
-                <a:path w="652" h="1684">
-                  <a:moveTo>
-                    <a:pt x="225" y="1684"/>
-                  </a:moveTo>
-                  <a:lnTo>
-                    <a:pt x="652" y="0"/>
-                  </a:lnTo>
-                  <a:lnTo>
-                    <a:pt x="411" y="0"/>
-                  </a:lnTo>
-                  <a:lnTo>
-                    <a:pt x="0" y="1627"/>
-                  </a:lnTo>
-                  <a:lnTo>
-                    <a:pt x="219" y="1681"/>
-                  </a:lnTo>
-                  <a:lnTo>
-                    <a:pt x="225" y="1684"/>
-                  </a:lnTo>
-                  <a:close/>
-                </a:path>
-              </a:pathLst>
-            </a:custGeom>
-            <a:solidFill>
-              <a:srgbClr val="595959"/>
-            </a:solidFill>
-            <a:ln>
-              <a:noFill/>
-            </a:ln>
-          </p:spPr>
-        </p:sp>
-        <p:sp>
-          <p:nvSpPr>
-            <p:cNvPr id="26" name="Freeform 12">
-              <a:extLst>
-                <a:ext uri="{FF2B5EF4-FFF2-40B4-BE49-F238E27FC236}">
-                  <a16:creationId xmlns:a16="http://schemas.microsoft.com/office/drawing/2014/main" id="{8A8B2820-6B8F-4C19-BFC5-D28EE44E54CB}"/>
-                </a:ext>
-                <a:ext uri="{C183D7F6-B498-43B3-948B-1728B52AA6E4}">
-                  <adec:decorative xmlns:adec="http://schemas.microsoft.com/office/drawing/2017/decorative" val="1"/>
-                </a:ext>
-              </a:extLst>
-            </p:cNvPr>
-            <p:cNvSpPr/>
-            <p:nvPr>
-              <p:extLst>
-                <p:ext uri="{386F3935-93C4-4BCD-93E2-E3B085C9AB24}">
-                  <p16:designElem xmlns:p16="http://schemas.microsoft.com/office/powerpoint/2015/main" val="1"/>
-                </p:ext>
-              </p:extLst>
-            </p:nvPr>
-          </p:nvSpPr>
-          <p:spPr bwMode="auto">
-            <a:xfrm>
-              <a:off x="2928938" y="2582862"/>
-              <a:ext cx="2693987" cy="4275138"/>
-            </a:xfrm>
-            <a:custGeom>
-              <a:avLst/>
-              <a:gdLst/>
-              <a:ahLst/>
-              <a:cxnLst/>
-              <a:rect l="0" t="0" r="r" b="b"/>
-              <a:pathLst>
-                <a:path w="1697" h="2693">
-                  <a:moveTo>
-                    <a:pt x="0" y="0"/>
-                  </a:moveTo>
-                  <a:lnTo>
-                    <a:pt x="1622" y="2693"/>
-                  </a:lnTo>
-                  <a:lnTo>
-                    <a:pt x="1697" y="2693"/>
-                  </a:lnTo>
-                  <a:lnTo>
-                    <a:pt x="0" y="0"/>
-                  </a:lnTo>
-                  <a:close/>
-                </a:path>
-              </a:pathLst>
-            </a:custGeom>
-            <a:solidFill>
-              <a:srgbClr val="262626"/>
-            </a:solidFill>
-            <a:ln>
-              <a:noFill/>
-            </a:ln>
-          </p:spPr>
-        </p:sp>
-        <p:sp>
-          <p:nvSpPr>
-            <p:cNvPr id="27" name="Freeform 13">
-              <a:extLst>
-                <a:ext uri="{FF2B5EF4-FFF2-40B4-BE49-F238E27FC236}">
-                  <a16:creationId xmlns:a16="http://schemas.microsoft.com/office/drawing/2014/main" id="{773528ED-4D37-4A77-A8CA-86B6221C5E82}"/>
-                </a:ext>
-                <a:ext uri="{C183D7F6-B498-43B3-948B-1728B52AA6E4}">
-                  <adec:decorative xmlns:adec="http://schemas.microsoft.com/office/drawing/2017/decorative" val="1"/>
-                </a:ext>
-              </a:extLst>
-            </p:cNvPr>
-            <p:cNvSpPr/>
-            <p:nvPr>
-              <p:extLst>
-                <p:ext uri="{386F3935-93C4-4BCD-93E2-E3B085C9AB24}">
-                  <p16:designElem xmlns:p16="http://schemas.microsoft.com/office/powerpoint/2015/main" val="1"/>
-                </p:ext>
-              </p:extLst>
-            </p:nvPr>
-          </p:nvSpPr>
-          <p:spPr bwMode="auto">
-            <a:xfrm>
-              <a:off x="3371850" y="2692400"/>
-              <a:ext cx="3332162" cy="4165600"/>
-            </a:xfrm>
-            <a:custGeom>
-              <a:avLst/>
-              <a:gdLst/>
-              <a:ahLst/>
-              <a:cxnLst/>
-              <a:rect l="0" t="0" r="r" b="b"/>
-              <a:pathLst>
-                <a:path w="2099" h="2624">
-                  <a:moveTo>
-                    <a:pt x="2099" y="2624"/>
-                  </a:moveTo>
-                  <a:lnTo>
-                    <a:pt x="0" y="0"/>
-                  </a:lnTo>
-                  <a:lnTo>
-                    <a:pt x="2021" y="2624"/>
-                  </a:lnTo>
-                  <a:lnTo>
-                    <a:pt x="2099" y="2624"/>
-                  </a:lnTo>
-                  <a:close/>
-                </a:path>
-              </a:pathLst>
-            </a:custGeom>
-            <a:solidFill>
-              <a:schemeClr val="accent1">
-                <a:lumMod val="50000"/>
-              </a:schemeClr>
-            </a:solidFill>
-            <a:ln>
-              <a:noFill/>
-            </a:ln>
-          </p:spPr>
-        </p:sp>
-        <p:sp>
-          <p:nvSpPr>
-            <p:cNvPr id="28" name="Freeform 14">
-              <a:extLst>
-                <a:ext uri="{FF2B5EF4-FFF2-40B4-BE49-F238E27FC236}">
-                  <a16:creationId xmlns:a16="http://schemas.microsoft.com/office/drawing/2014/main" id="{8A58A902-E944-4399-9A93-A91A6A82B166}"/>
-                </a:ext>
-                <a:ext uri="{C183D7F6-B498-43B3-948B-1728B52AA6E4}">
-                  <adec:decorative xmlns:adec="http://schemas.microsoft.com/office/drawing/2017/decorative" val="1"/>
-                </a:ext>
-              </a:extLst>
-            </p:cNvPr>
-            <p:cNvSpPr/>
-            <p:nvPr>
-              <p:extLst>
-                <p:ext uri="{386F3935-93C4-4BCD-93E2-E3B085C9AB24}">
-                  <p16:designElem xmlns:p16="http://schemas.microsoft.com/office/powerpoint/2015/main" val="1"/>
-                </p:ext>
-              </p:extLst>
-            </p:nvPr>
-          </p:nvSpPr>
-          <p:spPr bwMode="auto">
-            <a:xfrm>
-              <a:off x="3367088" y="2687637"/>
-              <a:ext cx="4576762" cy="4170363"/>
-            </a:xfrm>
-            <a:custGeom>
-              <a:avLst/>
-              <a:gdLst/>
-              <a:ahLst/>
-              <a:cxnLst/>
-              <a:rect l="0" t="0" r="r" b="b"/>
-              <a:pathLst>
-                <a:path w="2883" h="2627">
-                  <a:moveTo>
-                    <a:pt x="0" y="0"/>
-                  </a:moveTo>
-                  <a:lnTo>
-                    <a:pt x="3" y="3"/>
-                  </a:lnTo>
-                  <a:lnTo>
-                    <a:pt x="2102" y="2627"/>
-                  </a:lnTo>
-                  <a:lnTo>
-                    <a:pt x="2883" y="2627"/>
-                  </a:lnTo>
-                  <a:lnTo>
-                    <a:pt x="225" y="57"/>
-                  </a:lnTo>
-                  <a:lnTo>
-                    <a:pt x="0" y="0"/>
-                  </a:lnTo>
-                  <a:close/>
-                </a:path>
-              </a:pathLst>
-            </a:custGeom>
-            <a:solidFill>
-              <a:schemeClr val="accent1">
-                <a:lumMod val="75000"/>
-              </a:schemeClr>
-            </a:solidFill>
-            <a:ln>
-              <a:noFill/>
-            </a:ln>
-          </p:spPr>
-        </p:sp>
-        <p:sp>
-          <p:nvSpPr>
-            <p:cNvPr id="29" name="Freeform 15">
-              <a:extLst>
-                <a:ext uri="{FF2B5EF4-FFF2-40B4-BE49-F238E27FC236}">
-                  <a16:creationId xmlns:a16="http://schemas.microsoft.com/office/drawing/2014/main" id="{4EDB1155-2E8E-4FB8-AD42-101FE4383231}"/>
-                </a:ext>
-                <a:ext uri="{C183D7F6-B498-43B3-948B-1728B52AA6E4}">
-                  <adec:decorative xmlns:adec="http://schemas.microsoft.com/office/drawing/2017/decorative" val="1"/>
-                </a:ext>
-              </a:extLst>
-            </p:cNvPr>
-            <p:cNvSpPr/>
-            <p:nvPr>
-              <p:extLst>
-                <p:ext uri="{386F3935-93C4-4BCD-93E2-E3B085C9AB24}">
-                  <p16:designElem xmlns:p16="http://schemas.microsoft.com/office/powerpoint/2015/main" val="1"/>
-                </p:ext>
-              </p:extLst>
-            </p:nvPr>
-          </p:nvSpPr>
-          <p:spPr bwMode="auto">
-            <a:xfrm>
-              <a:off x="2928938" y="2578100"/>
-              <a:ext cx="3584575" cy="4279900"/>
-            </a:xfrm>
-            <a:custGeom>
-              <a:avLst/>
-              <a:gdLst/>
-              <a:ahLst/>
-              <a:cxnLst/>
-              <a:rect l="0" t="0" r="r" b="b"/>
-              <a:pathLst>
-                <a:path w="2258" h="2696">
-                  <a:moveTo>
-                    <a:pt x="2258" y="2696"/>
-                  </a:moveTo>
-                  <a:lnTo>
-                    <a:pt x="264" y="111"/>
-                  </a:lnTo>
-                  <a:lnTo>
-                    <a:pt x="228" y="60"/>
-                  </a:lnTo>
-                  <a:lnTo>
-                    <a:pt x="225" y="57"/>
-                  </a:lnTo>
-                  <a:lnTo>
-                    <a:pt x="0" y="0"/>
-                  </a:lnTo>
-                  <a:lnTo>
-                    <a:pt x="0" y="3"/>
-                  </a:lnTo>
-                  <a:lnTo>
-                    <a:pt x="1697" y="2696"/>
-                  </a:lnTo>
-                  <a:lnTo>
-                    <a:pt x="2258" y="2696"/>
-                  </a:lnTo>
-                  <a:close/>
-                </a:path>
-              </a:pathLst>
-            </a:custGeom>
-            <a:solidFill>
-              <a:srgbClr val="404040"/>
-            </a:solidFill>
-            <a:ln>
-              <a:noFill/>
-            </a:ln>
-          </p:spPr>
-        </p:sp>
-      </p:grpSp>
-      <p:sp>
-        <p:nvSpPr>
-          <p:cNvPr id="2" name="Title 1">
-            <a:extLst>
-              <a:ext uri="{FF2B5EF4-FFF2-40B4-BE49-F238E27FC236}">
-                <a16:creationId xmlns:a16="http://schemas.microsoft.com/office/drawing/2014/main" id="{C7492CCE-C435-464E-A19A-D4C606FDBE3D}"/>
-              </a:ext>
-            </a:extLst>
-          </p:cNvPr>
-          <p:cNvSpPr>
-            <a:spLocks noGrp="1"/>
-          </p:cNvSpPr>
-          <p:nvPr>
-            <p:ph type="title"/>
-          </p:nvPr>
-        </p:nvSpPr>
-        <p:spPr>
-          <a:xfrm>
             <a:off x="3673127" y="2888905"/>
             <a:ext cx="3821807" cy="750059"/>
           </a:xfrm>
@@ -10204,7 +9586,7 @@
             <a:pPr algn="l"/>
             <a:r>
               <a:rPr lang="en-US" b="1" dirty="0"/>
-              <a:t>Why to learn Data Science ?</a:t>
+              <a:t>Scope of Data Science ?</a:t>
             </a:r>
           </a:p>
         </p:txBody>
@@ -10227,8 +9609,8 @@
         </p:nvSpPr>
         <p:spPr>
           <a:xfrm>
-            <a:off x="139975" y="2442385"/>
-            <a:ext cx="9096790" cy="2474172"/>
+            <a:off x="291681" y="2213113"/>
+            <a:ext cx="9096790" cy="2509700"/>
           </a:xfrm>
         </p:spPr>
         <p:txBody>
@@ -10283,7 +9665,7 @@
     </p:spTree>
     <p:extLst>
       <p:ext uri="{BB962C8B-B14F-4D97-AF65-F5344CB8AC3E}">
-        <p14:creationId xmlns:p14="http://schemas.microsoft.com/office/powerpoint/2010/main" val="81681995"/>
+        <p14:creationId xmlns:p14="http://schemas.microsoft.com/office/powerpoint/2010/main" val="4020996750"/>
       </p:ext>
     </p:extLst>
   </p:cSld>
@@ -10807,8 +10189,8 @@
         </p:nvSpPr>
         <p:spPr>
           <a:xfrm>
-            <a:off x="185531" y="641385"/>
-            <a:ext cx="8062702" cy="750059"/>
+            <a:off x="3074504" y="1881810"/>
+            <a:ext cx="5009322" cy="2411894"/>
           </a:xfrm>
         </p:spPr>
         <p:txBody>
@@ -10819,87 +10201,16 @@
           <a:p>
             <a:pPr algn="l"/>
             <a:r>
-              <a:rPr lang="en-US" b="1" dirty="0"/>
-              <a:t>Scope of Data Science ?</a:t>
+              <a:rPr lang="en-US" sz="6000" b="1" dirty="0"/>
+              <a:t>AI vs DS vs ML</a:t>
             </a:r>
-          </a:p>
-        </p:txBody>
-      </p:sp>
-      <p:sp>
-        <p:nvSpPr>
-          <p:cNvPr id="3" name="Content Placeholder 2">
-            <a:extLst>
-              <a:ext uri="{FF2B5EF4-FFF2-40B4-BE49-F238E27FC236}">
-                <a16:creationId xmlns:a16="http://schemas.microsoft.com/office/drawing/2014/main" id="{60DFF4FA-F598-4962-B6AB-31A8BE724E52}"/>
-              </a:ext>
-            </a:extLst>
-          </p:cNvPr>
-          <p:cNvSpPr>
-            <a:spLocks noGrp="1"/>
-          </p:cNvSpPr>
-          <p:nvPr>
-            <p:ph idx="1"/>
-          </p:nvPr>
-        </p:nvSpPr>
-        <p:spPr>
-          <a:xfrm>
-            <a:off x="291681" y="2213113"/>
-            <a:ext cx="9096790" cy="2509700"/>
-          </a:xfrm>
-        </p:spPr>
-        <p:txBody>
-          <a:bodyPr anchor="t">
-            <a:normAutofit fontScale="92500" lnSpcReduction="10000"/>
-          </a:bodyPr>
-          <a:lstStyle/>
-          <a:p>
-            <a:pPr marL="0" indent="0">
-              <a:buNone/>
-            </a:pPr>
-            <a:r>
-              <a:rPr lang="en-US" sz="2400" b="0" i="0" dirty="0">
-                <a:solidFill>
-                  <a:srgbClr val="666666"/>
-                </a:solidFill>
-                <a:effectLst/>
-                <a:latin typeface="open sans" panose="020B0606030504020204" pitchFamily="34" charset="0"/>
-              </a:rPr>
-              <a:t> </a:t>
-            </a:r>
-            <a:r>
-              <a:rPr lang="en-US" sz="3600" b="0" i="0" dirty="0">
-                <a:effectLst/>
-                <a:latin typeface="open sans" panose="020B0606030504020204" pitchFamily="34" charset="0"/>
-              </a:rPr>
-              <a:t>To make most out of their data, companies from all domains, like Finance, Marketing, Retail, IT , Healthcare , Social Media or Bank. All are looking for Data Scientists . IBM is declaring it as trending job of 21</a:t>
-            </a:r>
-            <a:r>
-              <a:rPr lang="en-US" sz="3600" b="0" i="0" baseline="30000" dirty="0">
-                <a:effectLst/>
-                <a:latin typeface="open sans" panose="020B0606030504020204" pitchFamily="34" charset="0"/>
-              </a:rPr>
-              <a:t>st</a:t>
-            </a:r>
-            <a:r>
-              <a:rPr lang="en-US" sz="3600" b="0" i="0" dirty="0">
-                <a:effectLst/>
-                <a:latin typeface="open sans" panose="020B0606030504020204" pitchFamily="34" charset="0"/>
-              </a:rPr>
-              <a:t> century.</a:t>
-            </a:r>
-          </a:p>
-          <a:p>
-            <a:pPr marL="0" indent="0">
-              <a:buNone/>
-            </a:pPr>
-            <a:endParaRPr lang="en-US" sz="4800" dirty="0"/>
           </a:p>
         </p:txBody>
       </p:sp>
     </p:spTree>
     <p:extLst>
       <p:ext uri="{BB962C8B-B14F-4D97-AF65-F5344CB8AC3E}">
-        <p14:creationId xmlns:p14="http://schemas.microsoft.com/office/powerpoint/2010/main" val="4020996750"/>
+        <p14:creationId xmlns:p14="http://schemas.microsoft.com/office/powerpoint/2010/main" val="3793279049"/>
       </p:ext>
     </p:extLst>
   </p:cSld>
@@ -11423,8 +10734,8 @@
         </p:nvSpPr>
         <p:spPr>
           <a:xfrm>
-            <a:off x="3074504" y="1881810"/>
-            <a:ext cx="5009322" cy="2411894"/>
+            <a:off x="0" y="2673350"/>
+            <a:ext cx="8062702" cy="750059"/>
           </a:xfrm>
         </p:spPr>
         <p:txBody>
@@ -11435,16 +10746,46 @@
           <a:p>
             <a:pPr algn="l"/>
             <a:r>
-              <a:rPr lang="en-US" sz="6000" b="1" dirty="0"/>
+              <a:rPr lang="en-US" sz="3600" b="1" dirty="0"/>
               <a:t>AI vs DS vs ML</a:t>
             </a:r>
           </a:p>
         </p:txBody>
       </p:sp>
+      <p:pic>
+        <p:nvPicPr>
+          <p:cNvPr id="6" name="Picture 5">
+            <a:extLst>
+              <a:ext uri="{FF2B5EF4-FFF2-40B4-BE49-F238E27FC236}">
+                <a16:creationId xmlns:a16="http://schemas.microsoft.com/office/drawing/2014/main" id="{5F072079-5A56-4E4A-B620-839EC94C02FD}"/>
+              </a:ext>
+            </a:extLst>
+          </p:cNvPr>
+          <p:cNvPicPr>
+            <a:picLocks noChangeAspect="1"/>
+          </p:cNvPicPr>
+          <p:nvPr/>
+        </p:nvPicPr>
+        <p:blipFill>
+          <a:blip r:embed="rId2"/>
+          <a:stretch>
+            <a:fillRect/>
+          </a:stretch>
+        </p:blipFill>
+        <p:spPr>
+          <a:xfrm>
+            <a:off x="0" y="-13119"/>
+            <a:ext cx="12192001" cy="6880644"/>
+          </a:xfrm>
+          <a:prstGeom prst="rect">
+            <a:avLst/>
+          </a:prstGeom>
+        </p:spPr>
+      </p:pic>
     </p:spTree>
     <p:extLst>
       <p:ext uri="{BB962C8B-B14F-4D97-AF65-F5344CB8AC3E}">
-        <p14:creationId xmlns:p14="http://schemas.microsoft.com/office/powerpoint/2010/main" val="3793279049"/>
+        <p14:creationId xmlns:p14="http://schemas.microsoft.com/office/powerpoint/2010/main" val="3199121132"/>
       </p:ext>
     </p:extLst>
   </p:cSld>
@@ -11968,7 +11309,7 @@
         </p:nvSpPr>
         <p:spPr>
           <a:xfrm>
-            <a:off x="0" y="2673350"/>
+            <a:off x="185531" y="641385"/>
             <a:ext cx="8062702" cy="750059"/>
           </a:xfrm>
         </p:spPr>
@@ -11980,46 +11321,149 @@
           <a:p>
             <a:pPr algn="l"/>
             <a:r>
-              <a:rPr lang="en-US" sz="3600" b="1" dirty="0"/>
-              <a:t>AI vs DS vs ML</a:t>
+              <a:rPr lang="en-US" b="1" dirty="0"/>
+              <a:t>Roles in Data Science ?</a:t>
             </a:r>
           </a:p>
         </p:txBody>
       </p:sp>
-      <p:pic>
-        <p:nvPicPr>
-          <p:cNvPr id="6" name="Picture 5">
+      <p:sp>
+        <p:nvSpPr>
+          <p:cNvPr id="3" name="Content Placeholder 2">
             <a:extLst>
               <a:ext uri="{FF2B5EF4-FFF2-40B4-BE49-F238E27FC236}">
-                <a16:creationId xmlns:a16="http://schemas.microsoft.com/office/drawing/2014/main" id="{5F072079-5A56-4E4A-B620-839EC94C02FD}"/>
+                <a16:creationId xmlns:a16="http://schemas.microsoft.com/office/drawing/2014/main" id="{60DFF4FA-F598-4962-B6AB-31A8BE724E52}"/>
               </a:ext>
             </a:extLst>
           </p:cNvPr>
-          <p:cNvPicPr>
-            <a:picLocks noChangeAspect="1"/>
-          </p:cNvPicPr>
-          <p:nvPr/>
-        </p:nvPicPr>
-        <p:blipFill>
-          <a:blip r:embed="rId2"/>
-          <a:stretch>
-            <a:fillRect/>
-          </a:stretch>
-        </p:blipFill>
+          <p:cNvSpPr>
+            <a:spLocks noGrp="1"/>
+          </p:cNvSpPr>
+          <p:nvPr>
+            <p:ph idx="1"/>
+          </p:nvPr>
+        </p:nvSpPr>
         <p:spPr>
           <a:xfrm>
-            <a:off x="0" y="-13119"/>
-            <a:ext cx="12192001" cy="6880644"/>
+            <a:off x="291681" y="1496220"/>
+            <a:ext cx="9096790" cy="4586528"/>
           </a:xfrm>
-          <a:prstGeom prst="rect">
-            <a:avLst/>
-          </a:prstGeom>
         </p:spPr>
-      </p:pic>
+        <p:txBody>
+          <a:bodyPr anchor="t">
+            <a:normAutofit/>
+          </a:bodyPr>
+          <a:lstStyle/>
+          <a:p>
+            <a:pPr>
+              <a:buFont typeface="Arial" panose="020B0604020202020204" pitchFamily="34" charset="0"/>
+              <a:buChar char="•"/>
+            </a:pPr>
+            <a:r>
+              <a:rPr lang="en-US" b="0" i="0" dirty="0">
+                <a:effectLst/>
+                <a:latin typeface="arial" panose="020B0604020202020204" pitchFamily="34" charset="0"/>
+              </a:rPr>
+              <a:t>Data Scientist</a:t>
+            </a:r>
+          </a:p>
+          <a:p>
+            <a:pPr algn="l">
+              <a:buFont typeface="Arial" panose="020B0604020202020204" pitchFamily="34" charset="0"/>
+              <a:buChar char="•"/>
+            </a:pPr>
+            <a:r>
+              <a:rPr lang="en-US" b="0" i="0" dirty="0">
+                <a:effectLst/>
+                <a:latin typeface="arial" panose="020B0604020202020204" pitchFamily="34" charset="0"/>
+              </a:rPr>
+              <a:t>Data Analyst</a:t>
+            </a:r>
+          </a:p>
+          <a:p>
+            <a:pPr algn="l">
+              <a:buFont typeface="Arial" panose="020B0604020202020204" pitchFamily="34" charset="0"/>
+              <a:buChar char="•"/>
+            </a:pPr>
+            <a:r>
+              <a:rPr lang="en-US" b="0" i="0" dirty="0">
+                <a:effectLst/>
+                <a:latin typeface="arial" panose="020B0604020202020204" pitchFamily="34" charset="0"/>
+              </a:rPr>
+              <a:t>Data Engineers</a:t>
+            </a:r>
+          </a:p>
+          <a:p>
+            <a:pPr algn="l">
+              <a:buFont typeface="Arial" panose="020B0604020202020204" pitchFamily="34" charset="0"/>
+              <a:buChar char="•"/>
+            </a:pPr>
+            <a:r>
+              <a:rPr lang="en-US" b="0" i="0" dirty="0">
+                <a:effectLst/>
+                <a:latin typeface="arial" panose="020B0604020202020204" pitchFamily="34" charset="0"/>
+              </a:rPr>
+              <a:t>Database Administrator</a:t>
+            </a:r>
+          </a:p>
+          <a:p>
+            <a:pPr algn="l">
+              <a:buFont typeface="Arial" panose="020B0604020202020204" pitchFamily="34" charset="0"/>
+              <a:buChar char="•"/>
+            </a:pPr>
+            <a:r>
+              <a:rPr lang="en-US" b="0" i="0" dirty="0">
+                <a:effectLst/>
+                <a:latin typeface="arial" panose="020B0604020202020204" pitchFamily="34" charset="0"/>
+              </a:rPr>
+              <a:t>Machine Learning Engineer</a:t>
+            </a:r>
+          </a:p>
+          <a:p>
+            <a:pPr algn="l">
+              <a:buFont typeface="Arial" panose="020B0604020202020204" pitchFamily="34" charset="0"/>
+              <a:buChar char="•"/>
+            </a:pPr>
+            <a:r>
+              <a:rPr lang="en-US" b="0" i="0" dirty="0">
+                <a:effectLst/>
+                <a:latin typeface="arial" panose="020B0604020202020204" pitchFamily="34" charset="0"/>
+              </a:rPr>
+              <a:t>Data Architect</a:t>
+            </a:r>
+          </a:p>
+          <a:p>
+            <a:pPr algn="l">
+              <a:buFont typeface="Arial" panose="020B0604020202020204" pitchFamily="34" charset="0"/>
+              <a:buChar char="•"/>
+            </a:pPr>
+            <a:r>
+              <a:rPr lang="en-US" b="0" i="0" dirty="0">
+                <a:effectLst/>
+                <a:latin typeface="arial" panose="020B0604020202020204" pitchFamily="34" charset="0"/>
+              </a:rPr>
+              <a:t>Statistician</a:t>
+            </a:r>
+          </a:p>
+          <a:p>
+            <a:pPr algn="l">
+              <a:buFont typeface="Arial" panose="020B0604020202020204" pitchFamily="34" charset="0"/>
+              <a:buChar char="•"/>
+            </a:pPr>
+            <a:r>
+              <a:rPr lang="en-US" b="0" i="0" dirty="0">
+                <a:effectLst/>
+                <a:latin typeface="arial" panose="020B0604020202020204" pitchFamily="34" charset="0"/>
+              </a:rPr>
+              <a:t>Business Analyst</a:t>
+            </a:r>
+          </a:p>
+        </p:txBody>
+      </p:sp>
     </p:spTree>
     <p:extLst>
       <p:ext uri="{BB962C8B-B14F-4D97-AF65-F5344CB8AC3E}">
-        <p14:creationId xmlns:p14="http://schemas.microsoft.com/office/powerpoint/2010/main" val="3199121132"/>
+        <p14:creationId xmlns:p14="http://schemas.microsoft.com/office/powerpoint/2010/main" val="71239056"/>
       </p:ext>
     </p:extLst>
   </p:cSld>
@@ -12543,7 +11987,7 @@
         </p:nvSpPr>
         <p:spPr>
           <a:xfrm>
-            <a:off x="185531" y="641385"/>
+            <a:off x="198783" y="55150"/>
             <a:ext cx="8062702" cy="750059"/>
           </a:xfrm>
         </p:spPr>
@@ -12556,7 +12000,7 @@
             <a:pPr algn="l"/>
             <a:r>
               <a:rPr lang="en-US" b="1" dirty="0"/>
-              <a:t>Roles in Data Science ?</a:t>
+              <a:t>Careers</a:t>
             </a:r>
           </a:p>
         </p:txBody>
@@ -12579,125 +12023,71 @@
         </p:nvSpPr>
         <p:spPr>
           <a:xfrm>
-            <a:off x="291681" y="1496220"/>
-            <a:ext cx="9096790" cy="4586528"/>
+            <a:off x="-45765" y="837476"/>
+            <a:ext cx="9096790" cy="1713120"/>
           </a:xfrm>
         </p:spPr>
         <p:txBody>
           <a:bodyPr anchor="t">
-            <a:normAutofit/>
+            <a:noAutofit/>
           </a:bodyPr>
           <a:lstStyle/>
           <a:p>
-            <a:pPr>
-              <a:buFont typeface="Arial" panose="020B0604020202020204" pitchFamily="34" charset="0"/>
-              <a:buChar char="•"/>
-            </a:pPr>
+            <a:pPr algn="l" fontAlgn="base"/>
             <a:r>
               <a:rPr lang="en-US" b="0" i="0" dirty="0">
                 <a:effectLst/>
-                <a:latin typeface="arial" panose="020B0604020202020204" pitchFamily="34" charset="0"/>
+                <a:latin typeface="open sans" panose="020B0606030504020204" pitchFamily="34" charset="0"/>
               </a:rPr>
-              <a:t>Data Scientist</a:t>
+              <a:t>Banking &amp; financial are the leaders with over 40% all jobs advertised</a:t>
             </a:r>
           </a:p>
           <a:p>
-            <a:pPr algn="l">
-              <a:buFont typeface="Arial" panose="020B0604020202020204" pitchFamily="34" charset="0"/>
-              <a:buChar char="•"/>
-            </a:pPr>
+            <a:pPr algn="l" fontAlgn="base"/>
             <a:r>
               <a:rPr lang="en-US" b="0" i="0" dirty="0">
                 <a:effectLst/>
-                <a:latin typeface="arial" panose="020B0604020202020204" pitchFamily="34" charset="0"/>
+                <a:latin typeface="open sans" panose="020B0606030504020204" pitchFamily="34" charset="0"/>
               </a:rPr>
-              <a:t>Data Analyst</a:t>
-            </a:r>
-          </a:p>
-          <a:p>
-            <a:pPr algn="l">
-              <a:buFont typeface="Arial" panose="020B0604020202020204" pitchFamily="34" charset="0"/>
-              <a:buChar char="•"/>
-            </a:pPr>
-            <a:r>
-              <a:rPr lang="en-US" b="0" i="0" dirty="0">
-                <a:effectLst/>
-                <a:latin typeface="arial" panose="020B0604020202020204" pitchFamily="34" charset="0"/>
-              </a:rPr>
-              <a:t>Data Engineers</a:t>
-            </a:r>
-          </a:p>
-          <a:p>
-            <a:pPr algn="l">
-              <a:buFont typeface="Arial" panose="020B0604020202020204" pitchFamily="34" charset="0"/>
-              <a:buChar char="•"/>
-            </a:pPr>
-            <a:r>
-              <a:rPr lang="en-US" b="0" i="0" dirty="0">
-                <a:effectLst/>
-                <a:latin typeface="arial" panose="020B0604020202020204" pitchFamily="34" charset="0"/>
-              </a:rPr>
-              <a:t>Database Administrator</a:t>
-            </a:r>
-          </a:p>
-          <a:p>
-            <a:pPr algn="l">
-              <a:buFont typeface="Arial" panose="020B0604020202020204" pitchFamily="34" charset="0"/>
-              <a:buChar char="•"/>
-            </a:pPr>
-            <a:r>
-              <a:rPr lang="en-US" b="0" i="0" dirty="0">
-                <a:effectLst/>
-                <a:latin typeface="arial" panose="020B0604020202020204" pitchFamily="34" charset="0"/>
-              </a:rPr>
-              <a:t>Machine Learning Engineer</a:t>
-            </a:r>
-          </a:p>
-          <a:p>
-            <a:pPr algn="l">
-              <a:buFont typeface="Arial" panose="020B0604020202020204" pitchFamily="34" charset="0"/>
-              <a:buChar char="•"/>
-            </a:pPr>
-            <a:r>
-              <a:rPr lang="en-US" b="0" i="0" dirty="0">
-                <a:effectLst/>
-                <a:latin typeface="arial" panose="020B0604020202020204" pitchFamily="34" charset="0"/>
-              </a:rPr>
-              <a:t>Data Architect</a:t>
-            </a:r>
-          </a:p>
-          <a:p>
-            <a:pPr algn="l">
-              <a:buFont typeface="Arial" panose="020B0604020202020204" pitchFamily="34" charset="0"/>
-              <a:buChar char="•"/>
-            </a:pPr>
-            <a:r>
-              <a:rPr lang="en-US" b="0" i="0" dirty="0">
-                <a:effectLst/>
-                <a:latin typeface="arial" panose="020B0604020202020204" pitchFamily="34" charset="0"/>
-              </a:rPr>
-              <a:t>Statistician</a:t>
-            </a:r>
-          </a:p>
-          <a:p>
-            <a:pPr algn="l">
-              <a:buFont typeface="Arial" panose="020B0604020202020204" pitchFamily="34" charset="0"/>
-              <a:buChar char="•"/>
-            </a:pPr>
-            <a:r>
-              <a:rPr lang="en-US" b="0" i="0" dirty="0">
-                <a:effectLst/>
-                <a:latin typeface="arial" panose="020B0604020202020204" pitchFamily="34" charset="0"/>
-              </a:rPr>
-              <a:t>Business Analyst</a:t>
+              <a:t>Energy and Utilities contribute 15% of total jobs</a:t>
             </a:r>
           </a:p>
         </p:txBody>
       </p:sp>
+      <p:pic>
+        <p:nvPicPr>
+          <p:cNvPr id="7" name="Picture 6">
+            <a:extLst>
+              <a:ext uri="{FF2B5EF4-FFF2-40B4-BE49-F238E27FC236}">
+                <a16:creationId xmlns:a16="http://schemas.microsoft.com/office/drawing/2014/main" id="{C69CB9E7-1B64-4AD3-8D0A-EB0D75729470}"/>
+              </a:ext>
+            </a:extLst>
+          </p:cNvPr>
+          <p:cNvPicPr>
+            <a:picLocks noChangeAspect="1"/>
+          </p:cNvPicPr>
+          <p:nvPr/>
+        </p:nvPicPr>
+        <p:blipFill>
+          <a:blip r:embed="rId2"/>
+          <a:stretch>
+            <a:fillRect/>
+          </a:stretch>
+        </p:blipFill>
+        <p:spPr>
+          <a:xfrm>
+            <a:off x="650877" y="2340425"/>
+            <a:ext cx="6715125" cy="4333495"/>
+          </a:xfrm>
+          <a:prstGeom prst="rect">
+            <a:avLst/>
+          </a:prstGeom>
+        </p:spPr>
+      </p:pic>
     </p:spTree>
     <p:extLst>
       <p:ext uri="{BB962C8B-B14F-4D97-AF65-F5344CB8AC3E}">
-        <p14:creationId xmlns:p14="http://schemas.microsoft.com/office/powerpoint/2010/main" val="71239056"/>
+        <p14:creationId xmlns:p14="http://schemas.microsoft.com/office/powerpoint/2010/main" val="2308500332"/>
       </p:ext>
     </p:extLst>
   </p:cSld>
@@ -13221,7 +12611,7 @@
         </p:nvSpPr>
         <p:spPr>
           <a:xfrm>
-            <a:off x="198783" y="55150"/>
+            <a:off x="252891" y="166343"/>
             <a:ext cx="8062702" cy="750059"/>
           </a:xfrm>
         </p:spPr>
@@ -13234,7 +12624,7 @@
             <a:pPr algn="l"/>
             <a:r>
               <a:rPr lang="en-US" b="1" dirty="0"/>
-              <a:t>Careers</a:t>
+              <a:t>Packages</a:t>
             </a:r>
           </a:p>
         </p:txBody>
@@ -13257,43 +12647,36 @@
         </p:nvSpPr>
         <p:spPr>
           <a:xfrm>
-            <a:off x="-45765" y="837476"/>
-            <a:ext cx="9096790" cy="1713120"/>
+            <a:off x="252891" y="935452"/>
+            <a:ext cx="9096790" cy="1086678"/>
           </a:xfrm>
         </p:spPr>
         <p:txBody>
           <a:bodyPr anchor="t">
-            <a:noAutofit/>
+            <a:normAutofit lnSpcReduction="10000"/>
           </a:bodyPr>
           <a:lstStyle/>
           <a:p>
-            <a:pPr algn="l" fontAlgn="base"/>
+            <a:pPr marL="0" indent="0">
+              <a:buNone/>
+            </a:pPr>
             <a:r>
-              <a:rPr lang="en-US" b="0" i="0" dirty="0">
+              <a:rPr lang="en-US" sz="3300" b="0" i="0" dirty="0">
                 <a:effectLst/>
                 <a:latin typeface="open sans" panose="020B0606030504020204" pitchFamily="34" charset="0"/>
               </a:rPr>
-              <a:t>Banking &amp; financial are the leaders with over 40% all jobs advertised</a:t>
+              <a:t>Nearly 46% of Data Scientists earn a salary between 6-15 LPA.</a:t>
             </a:r>
-          </a:p>
-          <a:p>
-            <a:pPr algn="l" fontAlgn="base"/>
-            <a:r>
-              <a:rPr lang="en-US" b="0" i="0" dirty="0">
-                <a:effectLst/>
-                <a:latin typeface="open sans" panose="020B0606030504020204" pitchFamily="34" charset="0"/>
-              </a:rPr>
-              <a:t>Energy and Utilities contribute 15% of total jobs</a:t>
-            </a:r>
+            <a:endParaRPr lang="en-US" sz="3300" dirty="0"/>
           </a:p>
         </p:txBody>
       </p:sp>
       <p:pic>
         <p:nvPicPr>
-          <p:cNvPr id="7" name="Picture 6">
+          <p:cNvPr id="5" name="Picture 4">
             <a:extLst>
               <a:ext uri="{FF2B5EF4-FFF2-40B4-BE49-F238E27FC236}">
-                <a16:creationId xmlns:a16="http://schemas.microsoft.com/office/drawing/2014/main" id="{C69CB9E7-1B64-4AD3-8D0A-EB0D75729470}"/>
+                <a16:creationId xmlns:a16="http://schemas.microsoft.com/office/drawing/2014/main" id="{3AD2473E-3D44-40DC-ADB0-6D9EB16EEAFB}"/>
               </a:ext>
             </a:extLst>
           </p:cNvPr>
@@ -13310,8 +12693,8 @@
         </p:blipFill>
         <p:spPr>
           <a:xfrm>
-            <a:off x="650877" y="2340425"/>
-            <a:ext cx="6715125" cy="4333495"/>
+            <a:off x="650877" y="2372588"/>
+            <a:ext cx="6253506" cy="4134954"/>
           </a:xfrm>
           <a:prstGeom prst="rect">
             <a:avLst/>
@@ -13321,7 +12704,7 @@
     </p:spTree>
     <p:extLst>
       <p:ext uri="{BB962C8B-B14F-4D97-AF65-F5344CB8AC3E}">
-        <p14:creationId xmlns:p14="http://schemas.microsoft.com/office/powerpoint/2010/main" val="2308500332"/>
+        <p14:creationId xmlns:p14="http://schemas.microsoft.com/office/powerpoint/2010/main" val="4213993105"/>
       </p:ext>
     </p:extLst>
   </p:cSld>
@@ -13883,6 +13266,15 @@
 </file>
 
 <file path=customXml/item1.xml><?xml version="1.0" encoding="utf-8"?>
+<?mso-contentType ?>
+<FormTemplates xmlns="http://schemas.microsoft.com/sharepoint/v3/contenttype/forms">
+  <Display>DocumentLibraryForm</Display>
+  <Edit>DocumentLibraryForm</Edit>
+  <New>DocumentLibraryForm</New>
+</FormTemplates>
+</file>
+
+<file path=customXml/item2.xml><?xml version="1.0" encoding="utf-8"?>
 <ct:contentTypeSchema xmlns:ct="http://schemas.microsoft.com/office/2006/metadata/contentType" xmlns:ma="http://schemas.microsoft.com/office/2006/metadata/properties/metaAttributes" ct:_="" ma:_="" ma:contentTypeName="Document" ma:contentTypeID="0x01010079F111ED35F8CC479449609E8A0923A6" ma:contentTypeVersion="11" ma:contentTypeDescription="Create a new document." ma:contentTypeScope="" ma:versionID="9677210f24a1be23c92c90fd886aa0aa">
   <xsd:schema xmlns:xsd="http://www.w3.org/2001/XMLSchema" xmlns:xs="http://www.w3.org/2001/XMLSchema" xmlns:p="http://schemas.microsoft.com/office/2006/metadata/properties" xmlns:ns2="71af3243-3dd4-4a8d-8c0d-dd76da1f02a5" xmlns:ns3="16c05727-aa75-4e4a-9b5f-8a80a1165891" targetNamespace="http://schemas.microsoft.com/office/2006/metadata/properties" ma:root="true" ma:fieldsID="60e05723c5c1908df1a1a4ebf11d344e" ns2:_="" ns3:_="">
     <xsd:import namespace="71af3243-3dd4-4a8d-8c0d-dd76da1f02a5"/>
@@ -14093,15 +13485,6 @@
 </ct:contentTypeSchema>
 </file>
 
-<file path=customXml/item2.xml><?xml version="1.0" encoding="utf-8"?>
-<?mso-contentType ?>
-<FormTemplates xmlns="http://schemas.microsoft.com/sharepoint/v3/contenttype/forms">
-  <Display>DocumentLibraryForm</Display>
-  <Edit>DocumentLibraryForm</Edit>
-  <New>DocumentLibraryForm</New>
-</FormTemplates>
-</file>
-
 <file path=customXml/item3.xml><?xml version="1.0" encoding="utf-8"?>
 <p:properties xmlns:p="http://schemas.microsoft.com/office/2006/metadata/properties" xmlns:xsi="http://www.w3.org/2001/XMLSchema-instance" xmlns:pc="http://schemas.microsoft.com/office/infopath/2007/PartnerControls">
   <documentManagement>
@@ -14111,6 +13494,14 @@
 </file>
 
 <file path=customXml/itemProps1.xml><?xml version="1.0" encoding="utf-8"?>
+<ds:datastoreItem xmlns:ds="http://schemas.openxmlformats.org/officeDocument/2006/customXml" ds:itemID="{33315AA3-EAE3-44ED-8368-BAC2FFFB4817}">
+  <ds:schemaRefs>
+    <ds:schemaRef ds:uri="http://schemas.microsoft.com/sharepoint/v3/contenttype/forms"/>
+  </ds:schemaRefs>
+</ds:datastoreItem>
+</file>
+
+<file path=customXml/itemProps2.xml><?xml version="1.0" encoding="utf-8"?>
 <ds:datastoreItem xmlns:ds="http://schemas.openxmlformats.org/officeDocument/2006/customXml" ds:itemID="{627C19A7-3107-4CB2-BD0D-F7C79BE028CC}">
   <ds:schemaRefs>
     <ds:schemaRef ds:uri="http://schemas.microsoft.com/office/2006/metadata/contentType"/>
@@ -14129,14 +13520,6 @@
 </ds:datastoreItem>
 </file>
 
-<file path=customXml/itemProps2.xml><?xml version="1.0" encoding="utf-8"?>
-<ds:datastoreItem xmlns:ds="http://schemas.openxmlformats.org/officeDocument/2006/customXml" ds:itemID="{33315AA3-EAE3-44ED-8368-BAC2FFFB4817}">
-  <ds:schemaRefs>
-    <ds:schemaRef ds:uri="http://schemas.microsoft.com/sharepoint/v3/contenttype/forms"/>
-  </ds:schemaRefs>
-</ds:datastoreItem>
-</file>
-
 <file path=customXml/itemProps3.xml><?xml version="1.0" encoding="utf-8"?>
 <ds:datastoreItem xmlns:ds="http://schemas.openxmlformats.org/officeDocument/2006/customXml" ds:itemID="{D7023227-530E-4024-91EF-312A851A758C}">
   <ds:schemaRefs>
